--- a/Presentation.pptx
+++ b/Presentation.pptx
@@ -5,13 +5,14 @@
     <p:sldMasterId id="2147483840" r:id="rId1"/>
   </p:sldMasterIdLst>
   <p:notesMasterIdLst>
-    <p:notesMasterId r:id="rId6"/>
+    <p:notesMasterId r:id="rId7"/>
   </p:notesMasterIdLst>
   <p:sldIdLst>
     <p:sldId id="256" r:id="rId2"/>
     <p:sldId id="257" r:id="rId3"/>
     <p:sldId id="258" r:id="rId4"/>
     <p:sldId id="259" r:id="rId5"/>
+    <p:sldId id="260" r:id="rId6"/>
   </p:sldIdLst>
   <p:sldSz cx="12192000" cy="6858000"/>
   <p:notesSz cx="6858000" cy="9144000"/>
@@ -741,19 +742,7 @@
             </a:r>
             <a:r>
               <a:rPr lang="en-US" baseline="0" dirty="0" smtClean="0"/>
-              <a:t> has a method to keep a weighted background from a number </a:t>
-            </a:r>
-            <a:r>
-              <a:rPr lang="en-US" baseline="0" smtClean="0"/>
-              <a:t>of previous </a:t>
-            </a:r>
-            <a:r>
-              <a:rPr lang="en-US" baseline="0" dirty="0" smtClean="0"/>
-              <a:t>frames to make it less sensitive </a:t>
-            </a:r>
-            <a:r>
-              <a:rPr lang="en-US" baseline="0" smtClean="0"/>
-              <a:t>to these changes.</a:t>
+              <a:t> has a method to keep a weighted background from a number of previous frames to make it less sensitive to these changes.</a:t>
             </a:r>
             <a:endParaRPr lang="en-US" dirty="0"/>
           </a:p>
@@ -786,6 +775,118 @@
     <p:extLst>
       <p:ext uri="{BB962C8B-B14F-4D97-AF65-F5344CB8AC3E}">
         <p14:creationId xmlns:p14="http://schemas.microsoft.com/office/powerpoint/2010/main" val="364686248"/>
+      </p:ext>
+    </p:extLst>
+  </p:cSld>
+  <p:clrMapOvr>
+    <a:masterClrMapping/>
+  </p:clrMapOvr>
+</p:notes>
+</file>
+
+<file path=ppt/notesSlides/notesSlide4.xml><?xml version="1.0" encoding="utf-8"?>
+<p:notes xmlns:a="http://schemas.openxmlformats.org/drawingml/2006/main" xmlns:r="http://schemas.openxmlformats.org/officeDocument/2006/relationships" xmlns:p="http://schemas.openxmlformats.org/presentationml/2006/main">
+  <p:cSld>
+    <p:spTree>
+      <p:nvGrpSpPr>
+        <p:cNvPr id="1" name=""/>
+        <p:cNvGrpSpPr/>
+        <p:nvPr/>
+      </p:nvGrpSpPr>
+      <p:grpSpPr>
+        <a:xfrm>
+          <a:off x="0" y="0"/>
+          <a:ext cx="0" cy="0"/>
+          <a:chOff x="0" y="0"/>
+          <a:chExt cx="0" cy="0"/>
+        </a:xfrm>
+      </p:grpSpPr>
+      <p:sp>
+        <p:nvSpPr>
+          <p:cNvPr id="2" name="Slide Image Placeholder 1"/>
+          <p:cNvSpPr>
+            <a:spLocks noGrp="1" noRot="1" noChangeAspect="1"/>
+          </p:cNvSpPr>
+          <p:nvPr>
+            <p:ph type="sldImg"/>
+          </p:nvPr>
+        </p:nvSpPr>
+        <p:spPr/>
+      </p:sp>
+      <p:sp>
+        <p:nvSpPr>
+          <p:cNvPr id="3" name="Notes Placeholder 2"/>
+          <p:cNvSpPr>
+            <a:spLocks noGrp="1"/>
+          </p:cNvSpPr>
+          <p:nvPr>
+            <p:ph type="body" idx="1"/>
+          </p:nvPr>
+        </p:nvSpPr>
+        <p:spPr/>
+        <p:txBody>
+          <a:bodyPr/>
+          <a:lstStyle/>
+          <a:p>
+            <a:r>
+              <a:rPr lang="en-US" dirty="0" smtClean="0"/>
+              <a:t>Optical flow</a:t>
+            </a:r>
+            <a:r>
+              <a:rPr lang="en-US" baseline="0" dirty="0" smtClean="0"/>
+              <a:t> can be described as apparent motion of objects through a series of video frames. This implementation uses the Lucas-</a:t>
+            </a:r>
+            <a:r>
+              <a:rPr lang="en-US" baseline="0" dirty="0" err="1" smtClean="0"/>
+              <a:t>Kanade</a:t>
+            </a:r>
+            <a:r>
+              <a:rPr lang="en-US" baseline="0" dirty="0" smtClean="0"/>
+              <a:t> method to determine optical flow, which assumes that the flow of pixels in a given block is uniform throughout the block. The </a:t>
+            </a:r>
+            <a:r>
+              <a:rPr lang="en-US" baseline="0" dirty="0" err="1" smtClean="0"/>
+              <a:t>openCV</a:t>
+            </a:r>
+            <a:r>
+              <a:rPr lang="en-US" baseline="0" dirty="0" smtClean="0"/>
+              <a:t> implementation of this method uses a pyramid structure of a certain height, in which the higher elements have a lower resolution, in order to determine </a:t>
+            </a:r>
+            <a:r>
+              <a:rPr lang="en-US" baseline="0" smtClean="0"/>
+              <a:t>the flow of pixels.</a:t>
+            </a:r>
+            <a:endParaRPr lang="en-US" dirty="0"/>
+          </a:p>
+        </p:txBody>
+      </p:sp>
+      <p:sp>
+        <p:nvSpPr>
+          <p:cNvPr id="4" name="Slide Number Placeholder 3"/>
+          <p:cNvSpPr>
+            <a:spLocks noGrp="1"/>
+          </p:cNvSpPr>
+          <p:nvPr>
+            <p:ph type="sldNum" sz="quarter" idx="10"/>
+          </p:nvPr>
+        </p:nvSpPr>
+        <p:spPr/>
+        <p:txBody>
+          <a:bodyPr/>
+          <a:lstStyle/>
+          <a:p>
+            <a:fld id="{F36F1D50-0AF4-4B49-83E7-E02D5E9E9BB9}" type="slidenum">
+              <a:rPr lang="en-US" smtClean="0"/>
+              <a:t>5</a:t>
+            </a:fld>
+            <a:endParaRPr lang="en-US"/>
+          </a:p>
+        </p:txBody>
+      </p:sp>
+    </p:spTree>
+    <p:extLst>
+      <p:ext uri="{BB962C8B-B14F-4D97-AF65-F5344CB8AC3E}">
+        <p14:creationId xmlns:p14="http://schemas.microsoft.com/office/powerpoint/2010/main" val="10901063"/>
       </p:ext>
     </p:extLst>
   </p:cSld>
@@ -4519,11 +4620,7 @@
           <a:p>
             <a:r>
               <a:rPr lang="en-US" dirty="0" smtClean="0"/>
-              <a:t>Algorithm works best on steady cameras such as CCTV, with not much </a:t>
-            </a:r>
-            <a:r>
-              <a:rPr lang="en-US" smtClean="0"/>
-              <a:t>change in ambient light</a:t>
+              <a:t>Algorithm works best on steady cameras such as CCTV, with not much change in ambient light</a:t>
             </a:r>
           </a:p>
         </p:txBody>
@@ -4563,6 +4660,133 @@
     <p:extLst>
       <p:ext uri="{BB962C8B-B14F-4D97-AF65-F5344CB8AC3E}">
         <p14:creationId xmlns:p14="http://schemas.microsoft.com/office/powerpoint/2010/main" val="1782280524"/>
+      </p:ext>
+    </p:extLst>
+  </p:cSld>
+  <p:clrMapOvr>
+    <a:masterClrMapping/>
+  </p:clrMapOvr>
+</p:sld>
+</file>
+
+<file path=ppt/slides/slide5.xml><?xml version="1.0" encoding="utf-8"?>
+<p:sld xmlns:a="http://schemas.openxmlformats.org/drawingml/2006/main" xmlns:r="http://schemas.openxmlformats.org/officeDocument/2006/relationships" xmlns:p="http://schemas.openxmlformats.org/presentationml/2006/main">
+  <p:cSld>
+    <p:spTree>
+      <p:nvGrpSpPr>
+        <p:cNvPr id="1" name=""/>
+        <p:cNvGrpSpPr/>
+        <p:nvPr/>
+      </p:nvGrpSpPr>
+      <p:grpSpPr>
+        <a:xfrm>
+          <a:off x="0" y="0"/>
+          <a:ext cx="0" cy="0"/>
+          <a:chOff x="0" y="0"/>
+          <a:chExt cx="0" cy="0"/>
+        </a:xfrm>
+      </p:grpSpPr>
+      <p:sp>
+        <p:nvSpPr>
+          <p:cNvPr id="2" name="Title 1"/>
+          <p:cNvSpPr>
+            <a:spLocks noGrp="1"/>
+          </p:cNvSpPr>
+          <p:nvPr>
+            <p:ph type="title"/>
+          </p:nvPr>
+        </p:nvSpPr>
+        <p:spPr/>
+        <p:txBody>
+          <a:bodyPr/>
+          <a:lstStyle/>
+          <a:p>
+            <a:r>
+              <a:rPr lang="en-US" dirty="0" smtClean="0"/>
+              <a:t>Optical Flow</a:t>
+            </a:r>
+            <a:endParaRPr lang="en-US" dirty="0"/>
+          </a:p>
+        </p:txBody>
+      </p:sp>
+      <p:sp>
+        <p:nvSpPr>
+          <p:cNvPr id="3" name="Content Placeholder 2"/>
+          <p:cNvSpPr>
+            <a:spLocks noGrp="1"/>
+          </p:cNvSpPr>
+          <p:nvPr>
+            <p:ph sz="half" idx="1"/>
+          </p:nvPr>
+        </p:nvSpPr>
+        <p:spPr/>
+        <p:txBody>
+          <a:bodyPr/>
+          <a:lstStyle/>
+          <a:p>
+            <a:r>
+              <a:rPr lang="en-US" dirty="0" smtClean="0"/>
+              <a:t>Determines the velocity of an object through different frames</a:t>
+            </a:r>
+          </a:p>
+          <a:p>
+            <a:r>
+              <a:rPr lang="en-US" dirty="0" smtClean="0"/>
+              <a:t>Lucas-</a:t>
+            </a:r>
+            <a:r>
+              <a:rPr lang="en-US" dirty="0" err="1" smtClean="0"/>
+              <a:t>Kanade</a:t>
+            </a:r>
+            <a:r>
+              <a:rPr lang="en-US" dirty="0" smtClean="0"/>
+              <a:t> Method</a:t>
+            </a:r>
+          </a:p>
+          <a:p>
+            <a:pPr lvl="1"/>
+            <a:r>
+              <a:rPr lang="en-US" dirty="0" smtClean="0"/>
+              <a:t>Assumption: Movement is uniform throughout certain small regions</a:t>
+            </a:r>
+          </a:p>
+          <a:p>
+            <a:pPr lvl="1"/>
+            <a:r>
+              <a:rPr lang="en-US" dirty="0" smtClean="0"/>
+              <a:t>Pyramid structure </a:t>
+            </a:r>
+            <a:r>
+              <a:rPr lang="en-US" smtClean="0"/>
+              <a:t>of </a:t>
+            </a:r>
+            <a:endParaRPr lang="en-US" dirty="0" smtClean="0"/>
+          </a:p>
+        </p:txBody>
+      </p:sp>
+      <p:sp>
+        <p:nvSpPr>
+          <p:cNvPr id="4" name="Content Placeholder 3"/>
+          <p:cNvSpPr>
+            <a:spLocks noGrp="1"/>
+          </p:cNvSpPr>
+          <p:nvPr>
+            <p:ph sz="half" idx="2"/>
+          </p:nvPr>
+        </p:nvSpPr>
+        <p:spPr/>
+        <p:txBody>
+          <a:bodyPr/>
+          <a:lstStyle/>
+          <a:p>
+            <a:endParaRPr lang="en-US" dirty="0"/>
+          </a:p>
+        </p:txBody>
+      </p:sp>
+    </p:spTree>
+    <p:extLst>
+      <p:ext uri="{BB962C8B-B14F-4D97-AF65-F5344CB8AC3E}">
+        <p14:creationId xmlns:p14="http://schemas.microsoft.com/office/powerpoint/2010/main" val="1131359211"/>
       </p:ext>
     </p:extLst>
   </p:cSld>
